--- a/Nhan dang chu viet tay/Nhận dạng chữ viết tay.pptx
+++ b/Nhan dang chu viet tay/Nhận dạng chữ viết tay.pptx
@@ -350,7 +350,7 @@
             <a:fld id="{B61BEF0D-F0BB-DE4B-95CE-6DB70DBA9567}" type="datetimeFigureOut">
               <a:rPr lang="en-US" dirty="0"/>
               <a:pPr/>
-              <a:t>5/11/2018</a:t>
+              <a:t>6/1/2018</a:t>
             </a:fld>
             <a:endParaRPr lang="en-US" dirty="0"/>
           </a:p>
@@ -681,7 +681,7 @@
             <a:fld id="{B61BEF0D-F0BB-DE4B-95CE-6DB70DBA9567}" type="datetimeFigureOut">
               <a:rPr lang="en-US" dirty="0"/>
               <a:pPr/>
-              <a:t>5/11/2018</a:t>
+              <a:t>6/1/2018</a:t>
             </a:fld>
             <a:endParaRPr lang="en-US" dirty="0"/>
           </a:p>
@@ -956,7 +956,7 @@
             <a:fld id="{B61BEF0D-F0BB-DE4B-95CE-6DB70DBA9567}" type="datetimeFigureOut">
               <a:rPr lang="en-US" dirty="0"/>
               <a:pPr/>
-              <a:t>5/11/2018</a:t>
+              <a:t>6/1/2018</a:t>
             </a:fld>
             <a:endParaRPr lang="en-US" dirty="0"/>
           </a:p>
@@ -1521,7 +1521,7 @@
             <a:fld id="{B61BEF0D-F0BB-DE4B-95CE-6DB70DBA9567}" type="datetimeFigureOut">
               <a:rPr lang="en-US" dirty="0"/>
               <a:pPr/>
-              <a:t>5/11/2018</a:t>
+              <a:t>6/1/2018</a:t>
             </a:fld>
             <a:endParaRPr lang="en-US" dirty="0"/>
           </a:p>
@@ -1796,7 +1796,7 @@
             <a:fld id="{B61BEF0D-F0BB-DE4B-95CE-6DB70DBA9567}" type="datetimeFigureOut">
               <a:rPr lang="en-US" dirty="0"/>
               <a:pPr/>
-              <a:t>5/11/2018</a:t>
+              <a:t>6/1/2018</a:t>
             </a:fld>
             <a:endParaRPr lang="en-US" dirty="0"/>
           </a:p>
@@ -2355,7 +2355,7 @@
             <a:fld id="{B61BEF0D-F0BB-DE4B-95CE-6DB70DBA9567}" type="datetimeFigureOut">
               <a:rPr lang="en-US" dirty="0"/>
               <a:pPr/>
-              <a:t>5/11/2018</a:t>
+              <a:t>6/1/2018</a:t>
             </a:fld>
             <a:endParaRPr lang="en-US" dirty="0"/>
           </a:p>
@@ -2679,7 +2679,7 @@
             <a:fld id="{B61BEF0D-F0BB-DE4B-95CE-6DB70DBA9567}" type="datetimeFigureOut">
               <a:rPr lang="en-US" dirty="0"/>
               <a:pPr/>
-              <a:t>5/11/2018</a:t>
+              <a:t>6/1/2018</a:t>
             </a:fld>
             <a:endParaRPr lang="en-US" dirty="0"/>
           </a:p>
@@ -2853,7 +2853,7 @@
             <a:fld id="{B61BEF0D-F0BB-DE4B-95CE-6DB70DBA9567}" type="datetimeFigureOut">
               <a:rPr lang="en-US" dirty="0"/>
               <a:pPr/>
-              <a:t>5/11/2018</a:t>
+              <a:t>6/1/2018</a:t>
             </a:fld>
             <a:endParaRPr lang="en-US" dirty="0"/>
           </a:p>
@@ -3088,7 +3088,7 @@
             <a:fld id="{B61BEF0D-F0BB-DE4B-95CE-6DB70DBA9567}" type="datetimeFigureOut">
               <a:rPr lang="en-US" dirty="0"/>
               <a:pPr/>
-              <a:t>5/11/2018</a:t>
+              <a:t>6/1/2018</a:t>
             </a:fld>
             <a:endParaRPr lang="en-US" dirty="0"/>
           </a:p>
@@ -3285,7 +3285,7 @@
             <a:fld id="{B61BEF0D-F0BB-DE4B-95CE-6DB70DBA9567}" type="datetimeFigureOut">
               <a:rPr lang="en-US" dirty="0"/>
               <a:pPr/>
-              <a:t>5/11/2018</a:t>
+              <a:t>6/1/2018</a:t>
             </a:fld>
             <a:endParaRPr lang="en-US" dirty="0"/>
           </a:p>
@@ -3558,7 +3558,7 @@
             <a:fld id="{B61BEF0D-F0BB-DE4B-95CE-6DB70DBA9567}" type="datetimeFigureOut">
               <a:rPr lang="en-US" dirty="0"/>
               <a:pPr/>
-              <a:t>5/11/2018</a:t>
+              <a:t>6/1/2018</a:t>
             </a:fld>
             <a:endParaRPr lang="en-US" dirty="0"/>
           </a:p>
@@ -3821,7 +3821,7 @@
             <a:fld id="{B61BEF0D-F0BB-DE4B-95CE-6DB70DBA9567}" type="datetimeFigureOut">
               <a:rPr lang="en-US" dirty="0"/>
               <a:pPr/>
-              <a:t>5/11/2018</a:t>
+              <a:t>6/1/2018</a:t>
             </a:fld>
             <a:endParaRPr lang="en-US" dirty="0"/>
           </a:p>
@@ -4192,7 +4192,7 @@
             <a:fld id="{B61BEF0D-F0BB-DE4B-95CE-6DB70DBA9567}" type="datetimeFigureOut">
               <a:rPr lang="en-US" dirty="0"/>
               <a:pPr/>
-              <a:t>5/11/2018</a:t>
+              <a:t>6/1/2018</a:t>
             </a:fld>
             <a:endParaRPr lang="en-US" dirty="0"/>
           </a:p>
@@ -4337,7 +4337,7 @@
             <a:fld id="{B61BEF0D-F0BB-DE4B-95CE-6DB70DBA9567}" type="datetimeFigureOut">
               <a:rPr lang="en-US" dirty="0"/>
               <a:pPr/>
-              <a:t>5/11/2018</a:t>
+              <a:t>6/1/2018</a:t>
             </a:fld>
             <a:endParaRPr lang="en-US" dirty="0"/>
           </a:p>
@@ -4459,7 +4459,7 @@
             <a:fld id="{B61BEF0D-F0BB-DE4B-95CE-6DB70DBA9567}" type="datetimeFigureOut">
               <a:rPr lang="en-US" dirty="0"/>
               <a:pPr/>
-              <a:t>5/11/2018</a:t>
+              <a:t>6/1/2018</a:t>
             </a:fld>
             <a:endParaRPr lang="en-US" dirty="0"/>
           </a:p>
@@ -4741,7 +4741,7 @@
             <a:fld id="{B61BEF0D-F0BB-DE4B-95CE-6DB70DBA9567}" type="datetimeFigureOut">
               <a:rPr lang="en-US" dirty="0"/>
               <a:pPr/>
-              <a:t>5/11/2018</a:t>
+              <a:t>6/1/2018</a:t>
             </a:fld>
             <a:endParaRPr lang="en-US" dirty="0"/>
           </a:p>
@@ -5062,7 +5062,7 @@
             <a:fld id="{B61BEF0D-F0BB-DE4B-95CE-6DB70DBA9567}" type="datetimeFigureOut">
               <a:rPr lang="en-US" dirty="0"/>
               <a:pPr/>
-              <a:t>5/11/2018</a:t>
+              <a:t>6/1/2018</a:t>
             </a:fld>
             <a:endParaRPr lang="en-US" dirty="0"/>
           </a:p>
@@ -5273,7 +5273,7 @@
             <a:fld id="{B61BEF0D-F0BB-DE4B-95CE-6DB70DBA9567}" type="datetimeFigureOut">
               <a:rPr lang="en-US" dirty="0"/>
               <a:pPr/>
-              <a:t>5/11/2018</a:t>
+              <a:t>6/1/2018</a:t>
             </a:fld>
             <a:endParaRPr lang="en-US" dirty="0"/>
           </a:p>
@@ -6341,26 +6341,126 @@
           <a:lstStyle/>
           <a:p>
             <a:r>
-              <a:rPr lang="en-US">
+              <a:rPr lang="en-US" dirty="0" err="1">
                 <a:solidFill>
                   <a:schemeClr val="bg2">
                     <a:lumMod val="75000"/>
                   </a:schemeClr>
                 </a:solidFill>
               </a:rPr>
-              <a:t>Nguyễn hoàng anh - 1512007</a:t>
-            </a:r>
-          </a:p>
-          <a:p>
-            <a:r>
-              <a:rPr lang="en-US">
+              <a:t>Nguyễn</a:t>
+            </a:r>
+            <a:r>
+              <a:rPr lang="en-US" dirty="0">
                 <a:solidFill>
                   <a:schemeClr val="bg2">
                     <a:lumMod val="75000"/>
                   </a:schemeClr>
                 </a:solidFill>
               </a:rPr>
-              <a:t>Huỳnh cao biên - 1512031</a:t>
+              <a:t> </a:t>
+            </a:r>
+            <a:r>
+              <a:rPr lang="en-US" dirty="0" err="1">
+                <a:solidFill>
+                  <a:schemeClr val="bg2">
+                    <a:lumMod val="75000"/>
+                  </a:schemeClr>
+                </a:solidFill>
+              </a:rPr>
+              <a:t>hoàng</a:t>
+            </a:r>
+            <a:r>
+              <a:rPr lang="en-US" dirty="0">
+                <a:solidFill>
+                  <a:schemeClr val="bg2">
+                    <a:lumMod val="75000"/>
+                  </a:schemeClr>
+                </a:solidFill>
+              </a:rPr>
+              <a:t> </a:t>
+            </a:r>
+            <a:r>
+              <a:rPr lang="en-US" dirty="0" err="1">
+                <a:solidFill>
+                  <a:schemeClr val="bg2">
+                    <a:lumMod val="75000"/>
+                  </a:schemeClr>
+                </a:solidFill>
+              </a:rPr>
+              <a:t>anh</a:t>
+            </a:r>
+            <a:r>
+              <a:rPr lang="en-US">
+                <a:solidFill>
+                  <a:schemeClr val="bg2">
+                    <a:lumMod val="75000"/>
+                  </a:schemeClr>
+                </a:solidFill>
+              </a:rPr>
+              <a:t> - 1512005</a:t>
+            </a:r>
+          </a:p>
+          <a:p>
+            <a:r>
+              <a:rPr lang="en-US" dirty="0" err="1">
+                <a:solidFill>
+                  <a:schemeClr val="bg2">
+                    <a:lumMod val="75000"/>
+                  </a:schemeClr>
+                </a:solidFill>
+              </a:rPr>
+              <a:t>Huỳnh</a:t>
+            </a:r>
+            <a:r>
+              <a:rPr lang="en-US" dirty="0">
+                <a:solidFill>
+                  <a:schemeClr val="bg2">
+                    <a:lumMod val="75000"/>
+                  </a:schemeClr>
+                </a:solidFill>
+              </a:rPr>
+              <a:t> </a:t>
+            </a:r>
+            <a:r>
+              <a:rPr lang="en-US" dirty="0" err="1">
+                <a:solidFill>
+                  <a:schemeClr val="bg2">
+                    <a:lumMod val="75000"/>
+                  </a:schemeClr>
+                </a:solidFill>
+              </a:rPr>
+              <a:t>cao</a:t>
+            </a:r>
+            <a:r>
+              <a:rPr lang="en-US" dirty="0">
+                <a:solidFill>
+                  <a:schemeClr val="bg2">
+                    <a:lumMod val="75000"/>
+                  </a:schemeClr>
+                </a:solidFill>
+              </a:rPr>
+              <a:t> </a:t>
+            </a:r>
+            <a:r>
+              <a:rPr lang="en-US" dirty="0" err="1">
+                <a:solidFill>
+                  <a:schemeClr val="bg2">
+                    <a:lumMod val="75000"/>
+                  </a:schemeClr>
+                </a:solidFill>
+              </a:rPr>
+              <a:t>biên</a:t>
+            </a:r>
+            <a:r>
+              <a:rPr lang="en-US" dirty="0">
+                <a:solidFill>
+                  <a:schemeClr val="bg2">
+                    <a:lumMod val="75000"/>
+                  </a:schemeClr>
+                </a:solidFill>
+              </a:rPr>
+              <a:t> - 1512031</a:t>
             </a:r>
           </a:p>
         </p:txBody>
